--- a/docs/swengpräsi.pptx
+++ b/docs/swengpräsi.pptx
@@ -119,6 +119,43 @@
 </p:presentation>
 </file>
 
+<file path=ppt/revisionInfo.xml><?xml version="1.0" encoding="utf-8"?>
+<p1510:revInfo xmlns:a="http://schemas.openxmlformats.org/drawingml/2006/main" xmlns:r="http://schemas.openxmlformats.org/officeDocument/2006/relationships" xmlns:p1510="http://schemas.microsoft.com/office/powerpoint/2015/10/main">
+  <p1510:revLst>
+    <p1510:client id="{7A0AB7D7-B6A5-41C7-AAF2-F29986687310}" v="70" dt="2019-12-06T16:55:28.015"/>
+  </p1510:revLst>
+</p1510:revInfo>
+</file>
+
+<file path=ppt/changesInfos/changesInfo1.xml><?xml version="1.0" encoding="utf-8"?>
+<pc:chgInfo xmlns:a="http://schemas.openxmlformats.org/drawingml/2006/main" xmlns:r="http://schemas.openxmlformats.org/officeDocument/2006/relationships" xmlns:ac="http://schemas.microsoft.com/office/drawing/2013/main/command" xmlns:pc="http://schemas.microsoft.com/office/powerpoint/2013/main/command">
+  <pc:docChgLst>
+    <pc:chgData name="Joey Zgraggen" userId="c2a35ffb0a248f16" providerId="LiveId" clId="{7A0AB7D7-B6A5-41C7-AAF2-F29986687310}"/>
+    <pc:docChg chg="modSld">
+      <pc:chgData name="Joey Zgraggen" userId="c2a35ffb0a248f16" providerId="LiveId" clId="{7A0AB7D7-B6A5-41C7-AAF2-F29986687310}" dt="2019-12-06T16:55:28.015" v="69" actId="20577"/>
+      <pc:docMkLst>
+        <pc:docMk/>
+      </pc:docMkLst>
+      <pc:sldChg chg="modSp">
+        <pc:chgData name="Joey Zgraggen" userId="c2a35ffb0a248f16" providerId="LiveId" clId="{7A0AB7D7-B6A5-41C7-AAF2-F29986687310}" dt="2019-12-06T16:55:28.015" v="69" actId="20577"/>
+        <pc:sldMkLst>
+          <pc:docMk/>
+          <pc:sldMk cId="2731522226" sldId="257"/>
+        </pc:sldMkLst>
+        <pc:graphicFrameChg chg="mod">
+          <ac:chgData name="Joey Zgraggen" userId="c2a35ffb0a248f16" providerId="LiveId" clId="{7A0AB7D7-B6A5-41C7-AAF2-F29986687310}" dt="2019-12-06T16:55:28.015" v="69" actId="20577"/>
+          <ac:graphicFrameMkLst>
+            <pc:docMk/>
+            <pc:sldMk cId="2731522226" sldId="257"/>
+            <ac:graphicFrameMk id="5" creationId="{7DCEA9C6-B67B-46B3-B15B-AB045008BA68}"/>
+          </ac:graphicFrameMkLst>
+        </pc:graphicFrameChg>
+      </pc:sldChg>
+    </pc:docChg>
+  </pc:docChgLst>
+</pc:chgInfo>
+</file>
+
 <file path=ppt/diagrams/colors1.xml><?xml version="1.0" encoding="utf-8"?>
 <dgm:colorsDef xmlns:dgm="http://schemas.openxmlformats.org/drawingml/2006/diagram" xmlns:a="http://schemas.openxmlformats.org/drawingml/2006/main" uniqueId="urn:microsoft.com/office/officeart/2005/8/colors/accent0_3">
   <dgm:title val=""/>
@@ -1704,7 +1741,11 @@
         <a:p>
           <a:r>
             <a:rPr lang="de-DE" dirty="0"/>
-            <a:t>Hinzufügen von Referenzen über simplen Text und eine Kontrolle der erstellten Einträge welche den Arbeitsfluss nicht unterbricht.</a:t>
+            <a:t>Einlesen von Referenzen über simplen Text und Kontrolle der erstellten Einträge welche den Arbeitsfluss </a:t>
+          </a:r>
+          <a:r>
+            <a:rPr lang="de-DE"/>
+            <a:t>nicht unterbricht.</a:t>
           </a:r>
           <a:endParaRPr lang="en-US" dirty="0"/>
         </a:p>
@@ -2045,12 +2086,12 @@
         </a:fontRef>
       </dsp:style>
       <dsp:txBody>
-        <a:bodyPr spcFirstLastPara="0" vert="horz" wrap="square" lIns="95250" tIns="95250" rIns="95250" bIns="95250" numCol="1" spcCol="1270" anchor="ctr" anchorCtr="0">
+        <a:bodyPr spcFirstLastPara="0" vert="horz" wrap="square" lIns="99060" tIns="99060" rIns="99060" bIns="99060" numCol="1" spcCol="1270" anchor="ctr" anchorCtr="0">
           <a:noAutofit/>
         </a:bodyPr>
         <a:lstStyle/>
         <a:p>
-          <a:pPr marL="0" lvl="0" indent="0" algn="l" defTabSz="1111250">
+          <a:pPr marL="0" lvl="0" indent="0" algn="l" defTabSz="1155700">
             <a:lnSpc>
               <a:spcPct val="90000"/>
             </a:lnSpc>
@@ -2063,31 +2104,31 @@
             <a:buNone/>
           </a:pPr>
           <a:r>
-            <a:rPr lang="de-DE" sz="2500" kern="1200" noProof="0" dirty="0"/>
+            <a:rPr lang="de-DE" sz="2600" kern="1200" noProof="0" dirty="0"/>
             <a:t>Effizienteres</a:t>
           </a:r>
           <a:r>
-            <a:rPr lang="en-US" sz="2500" kern="1200" dirty="0"/>
+            <a:rPr lang="en-US" sz="2600" kern="1200" dirty="0"/>
             <a:t> und </a:t>
           </a:r>
           <a:r>
-            <a:rPr lang="de-DE" sz="2500" kern="1200" noProof="0" dirty="0"/>
+            <a:rPr lang="de-DE" sz="2600" kern="1200" noProof="0" dirty="0"/>
             <a:t>einfacheres</a:t>
           </a:r>
           <a:r>
-            <a:rPr lang="en-US" sz="2500" kern="1200" dirty="0"/>
+            <a:rPr lang="en-US" sz="2600" kern="1200" dirty="0"/>
             <a:t> </a:t>
           </a:r>
           <a:r>
-            <a:rPr lang="de-DE" sz="2500" kern="1200" noProof="0" dirty="0"/>
+            <a:rPr lang="de-DE" sz="2600" kern="1200" noProof="0" dirty="0"/>
             <a:t>Hinzufügen</a:t>
           </a:r>
           <a:r>
-            <a:rPr lang="en-US" sz="2500" kern="1200" dirty="0"/>
+            <a:rPr lang="en-US" sz="2600" kern="1200" dirty="0"/>
             <a:t> von </a:t>
           </a:r>
           <a:r>
-            <a:rPr lang="de-DE" sz="2500" kern="1200" noProof="0" dirty="0"/>
+            <a:rPr lang="de-DE" sz="2600" kern="1200" noProof="0" dirty="0"/>
             <a:t>Einträgen</a:t>
           </a:r>
         </a:p>
@@ -2148,12 +2189,12 @@
         </a:fontRef>
       </dsp:style>
       <dsp:txBody>
-        <a:bodyPr spcFirstLastPara="0" vert="horz" wrap="square" lIns="95250" tIns="95250" rIns="95250" bIns="95250" numCol="1" spcCol="1270" anchor="ctr" anchorCtr="0">
+        <a:bodyPr spcFirstLastPara="0" vert="horz" wrap="square" lIns="99060" tIns="99060" rIns="99060" bIns="99060" numCol="1" spcCol="1270" anchor="ctr" anchorCtr="0">
           <a:noAutofit/>
         </a:bodyPr>
         <a:lstStyle/>
         <a:p>
-          <a:pPr marL="0" lvl="0" indent="0" algn="l" defTabSz="1111250">
+          <a:pPr marL="0" lvl="0" indent="0" algn="l" defTabSz="1155700">
             <a:lnSpc>
               <a:spcPct val="90000"/>
             </a:lnSpc>
@@ -2166,10 +2207,14 @@
             <a:buNone/>
           </a:pPr>
           <a:r>
-            <a:rPr lang="de-DE" sz="2500" kern="1200" dirty="0"/>
-            <a:t>Hinzufügen von Referenzen über simplen Text und eine Kontrolle der erstellten Einträge welche den Arbeitsfluss nicht unterbricht.</a:t>
+            <a:rPr lang="de-DE" sz="2600" kern="1200" dirty="0"/>
+            <a:t>Einlesen von Referenzen über simplen Text und Kontrolle der erstellten Einträge welche den Arbeitsfluss </a:t>
           </a:r>
-          <a:endParaRPr lang="en-US" sz="2500" kern="1200" dirty="0"/>
+          <a:r>
+            <a:rPr lang="de-DE" sz="2600" kern="1200"/>
+            <a:t>nicht unterbricht.</a:t>
+          </a:r>
+          <a:endParaRPr lang="en-US" sz="2600" kern="1200" dirty="0"/>
         </a:p>
       </dsp:txBody>
       <dsp:txXfrm>
@@ -7259,7 +7304,7 @@
           <a:p>
             <a:fld id="{910586C5-BFD1-4886-B5B8-10F7DE3CAE38}" type="datetimeFigureOut">
               <a:rPr lang="de-DE" smtClean="0"/>
-              <a:t>05.12.2019</a:t>
+              <a:t>06.12.2019</a:t>
             </a:fld>
             <a:endParaRPr lang="de-DE"/>
           </a:p>
@@ -7467,7 +7512,7 @@
           <a:p>
             <a:fld id="{910586C5-BFD1-4886-B5B8-10F7DE3CAE38}" type="datetimeFigureOut">
               <a:rPr lang="de-DE" smtClean="0"/>
-              <a:t>05.12.2019</a:t>
+              <a:t>06.12.2019</a:t>
             </a:fld>
             <a:endParaRPr lang="de-DE"/>
           </a:p>
@@ -7725,7 +7770,7 @@
           <a:p>
             <a:fld id="{910586C5-BFD1-4886-B5B8-10F7DE3CAE38}" type="datetimeFigureOut">
               <a:rPr lang="de-DE" smtClean="0"/>
-              <a:t>05.12.2019</a:t>
+              <a:t>06.12.2019</a:t>
             </a:fld>
             <a:endParaRPr lang="de-DE"/>
           </a:p>
@@ -7895,7 +7940,7 @@
           <a:p>
             <a:fld id="{910586C5-BFD1-4886-B5B8-10F7DE3CAE38}" type="datetimeFigureOut">
               <a:rPr lang="de-DE" smtClean="0"/>
-              <a:t>05.12.2019</a:t>
+              <a:t>06.12.2019</a:t>
             </a:fld>
             <a:endParaRPr lang="de-DE"/>
           </a:p>
@@ -8232,7 +8277,7 @@
           <a:p>
             <a:fld id="{910586C5-BFD1-4886-B5B8-10F7DE3CAE38}" type="datetimeFigureOut">
               <a:rPr lang="de-DE" smtClean="0"/>
-              <a:t>05.12.2019</a:t>
+              <a:t>06.12.2019</a:t>
             </a:fld>
             <a:endParaRPr lang="de-DE"/>
           </a:p>
@@ -8507,7 +8552,7 @@
           <a:p>
             <a:fld id="{910586C5-BFD1-4886-B5B8-10F7DE3CAE38}" type="datetimeFigureOut">
               <a:rPr lang="de-DE" smtClean="0"/>
-              <a:t>05.12.2019</a:t>
+              <a:t>06.12.2019</a:t>
             </a:fld>
             <a:endParaRPr lang="de-DE"/>
           </a:p>
@@ -8890,7 +8935,7 @@
           <a:p>
             <a:fld id="{910586C5-BFD1-4886-B5B8-10F7DE3CAE38}" type="datetimeFigureOut">
               <a:rPr lang="de-DE" smtClean="0"/>
-              <a:t>05.12.2019</a:t>
+              <a:t>06.12.2019</a:t>
             </a:fld>
             <a:endParaRPr lang="de-DE"/>
           </a:p>
@@ -9008,7 +9053,7 @@
           <a:p>
             <a:fld id="{910586C5-BFD1-4886-B5B8-10F7DE3CAE38}" type="datetimeFigureOut">
               <a:rPr lang="de-DE" smtClean="0"/>
-              <a:t>05.12.2019</a:t>
+              <a:t>06.12.2019</a:t>
             </a:fld>
             <a:endParaRPr lang="de-DE"/>
           </a:p>
@@ -9181,7 +9226,7 @@
           <a:p>
             <a:fld id="{910586C5-BFD1-4886-B5B8-10F7DE3CAE38}" type="datetimeFigureOut">
               <a:rPr lang="de-DE" smtClean="0"/>
-              <a:t>05.12.2019</a:t>
+              <a:t>06.12.2019</a:t>
             </a:fld>
             <a:endParaRPr lang="de-DE"/>
           </a:p>
@@ -9537,7 +9582,7 @@
           <a:p>
             <a:fld id="{910586C5-BFD1-4886-B5B8-10F7DE3CAE38}" type="datetimeFigureOut">
               <a:rPr lang="de-DE" smtClean="0"/>
-              <a:t>05.12.2019</a:t>
+              <a:t>06.12.2019</a:t>
             </a:fld>
             <a:endParaRPr lang="de-DE"/>
           </a:p>
@@ -9885,7 +9930,7 @@
           <a:p>
             <a:fld id="{910586C5-BFD1-4886-B5B8-10F7DE3CAE38}" type="datetimeFigureOut">
               <a:rPr lang="de-DE" smtClean="0"/>
-              <a:t>05.12.2019</a:t>
+              <a:t>06.12.2019</a:t>
             </a:fld>
             <a:endParaRPr lang="de-DE"/>
           </a:p>
@@ -10196,7 +10241,7 @@
           <a:p>
             <a:fld id="{910586C5-BFD1-4886-B5B8-10F7DE3CAE38}" type="datetimeFigureOut">
               <a:rPr lang="de-DE" smtClean="0"/>
-              <a:t>05.12.2019</a:t>
+              <a:t>06.12.2019</a:t>
             </a:fld>
             <a:endParaRPr lang="de-DE"/>
           </a:p>
@@ -11109,7 +11154,7 @@
             <p:ph idx="1"/>
             <p:extLst>
               <p:ext uri="{D42A27DB-BD31-4B8C-83A1-F6EECF244321}">
-                <p14:modId xmlns:p14="http://schemas.microsoft.com/office/powerpoint/2010/main" val="3558162981"/>
+                <p14:modId xmlns:p14="http://schemas.microsoft.com/office/powerpoint/2010/main" val="3911235569"/>
               </p:ext>
             </p:extLst>
           </p:nvPr>
